--- a/DS4100 Presentation.pptx
+++ b/DS4100 Presentation.pptx
@@ -3226,8 +3226,44 @@
               <a:t>It provides every NBA player’s season stats from 1950-2017</a:t>
             </a:r>
           </a:p>
-        </p:txBody>
-      </p:sp>
+          <a:p>
+            <a:r>
+              <a:rPr lang="en-US" dirty="0"/>
+              <a:t>Looks like:</a:t>
+            </a:r>
+          </a:p>
+        </p:txBody>
+      </p:sp>
+      <p:pic>
+        <p:nvPicPr>
+          <p:cNvPr id="4" name="Picture 3">
+            <a:extLst>
+              <a:ext uri="{FF2B5EF4-FFF2-40B4-BE49-F238E27FC236}">
+                <a16:creationId xmlns:a16="http://schemas.microsoft.com/office/drawing/2014/main" id="{CEEC9590-EC4E-E345-A4FE-4A4863C7429C}"/>
+              </a:ext>
+            </a:extLst>
+          </p:cNvPr>
+          <p:cNvPicPr>
+            <a:picLocks noChangeAspect="1"/>
+          </p:cNvPicPr>
+          <p:nvPr/>
+        </p:nvPicPr>
+        <p:blipFill>
+          <a:blip r:embed="rId3"/>
+          <a:stretch>
+            <a:fillRect/>
+          </a:stretch>
+        </p:blipFill>
+        <p:spPr>
+          <a:xfrm>
+            <a:off x="1448346" y="3996265"/>
+            <a:ext cx="8277738" cy="2726267"/>
+          </a:xfrm>
+          <a:prstGeom prst="rect">
+            <a:avLst/>
+          </a:prstGeom>
+        </p:spPr>
+      </p:pic>
     </p:spTree>
     <p:extLst>
       <p:ext uri="{BB962C8B-B14F-4D97-AF65-F5344CB8AC3E}">
